--- a/costs of living A1 with slides.pptx
+++ b/costs of living A1 with slides.pptx
@@ -15,6 +15,9 @@
     <p:sldId id="263" r:id="rId9"/>
     <p:sldId id="264" r:id="rId10"/>
     <p:sldId id="265" r:id="rId11"/>
+    <p:sldId id="266" r:id="rId12"/>
+    <p:sldId id="267" r:id="rId13"/>
+    <p:sldId id="268" r:id="rId14"/>
   </p:sldIdLst>
   <p:sldSz cx="12192000" cy="6858000"/>
   <p:notesSz cx="6858000" cy="9144000"/>
@@ -268,7 +271,7 @@
           <a:p>
             <a:fld id="{0E65B97E-EF25-4B1E-AB49-40CD405F8F1B}" type="datetimeFigureOut">
               <a:rPr lang="en-US" smtClean="0"/>
-              <a:t>1/31/2022</a:t>
+              <a:t>2/1/2022</a:t>
             </a:fld>
             <a:endParaRPr lang="en-US"/>
           </a:p>
@@ -466,7 +469,7 @@
           <a:p>
             <a:fld id="{0E65B97E-EF25-4B1E-AB49-40CD405F8F1B}" type="datetimeFigureOut">
               <a:rPr lang="en-US" smtClean="0"/>
-              <a:t>1/31/2022</a:t>
+              <a:t>2/1/2022</a:t>
             </a:fld>
             <a:endParaRPr lang="en-US"/>
           </a:p>
@@ -674,7 +677,7 @@
           <a:p>
             <a:fld id="{0E65B97E-EF25-4B1E-AB49-40CD405F8F1B}" type="datetimeFigureOut">
               <a:rPr lang="en-US" smtClean="0"/>
-              <a:t>1/31/2022</a:t>
+              <a:t>2/1/2022</a:t>
             </a:fld>
             <a:endParaRPr lang="en-US"/>
           </a:p>
@@ -872,7 +875,7 @@
           <a:p>
             <a:fld id="{0E65B97E-EF25-4B1E-AB49-40CD405F8F1B}" type="datetimeFigureOut">
               <a:rPr lang="en-US" smtClean="0"/>
-              <a:t>1/31/2022</a:t>
+              <a:t>2/1/2022</a:t>
             </a:fld>
             <a:endParaRPr lang="en-US"/>
           </a:p>
@@ -1147,7 +1150,7 @@
           <a:p>
             <a:fld id="{0E65B97E-EF25-4B1E-AB49-40CD405F8F1B}" type="datetimeFigureOut">
               <a:rPr lang="en-US" smtClean="0"/>
-              <a:t>1/31/2022</a:t>
+              <a:t>2/1/2022</a:t>
             </a:fld>
             <a:endParaRPr lang="en-US"/>
           </a:p>
@@ -1412,7 +1415,7 @@
           <a:p>
             <a:fld id="{0E65B97E-EF25-4B1E-AB49-40CD405F8F1B}" type="datetimeFigureOut">
               <a:rPr lang="en-US" smtClean="0"/>
-              <a:t>1/31/2022</a:t>
+              <a:t>2/1/2022</a:t>
             </a:fld>
             <a:endParaRPr lang="en-US"/>
           </a:p>
@@ -1824,7 +1827,7 @@
           <a:p>
             <a:fld id="{0E65B97E-EF25-4B1E-AB49-40CD405F8F1B}" type="datetimeFigureOut">
               <a:rPr lang="en-US" smtClean="0"/>
-              <a:t>1/31/2022</a:t>
+              <a:t>2/1/2022</a:t>
             </a:fld>
             <a:endParaRPr lang="en-US"/>
           </a:p>
@@ -1965,7 +1968,7 @@
           <a:p>
             <a:fld id="{0E65B97E-EF25-4B1E-AB49-40CD405F8F1B}" type="datetimeFigureOut">
               <a:rPr lang="en-US" smtClean="0"/>
-              <a:t>1/31/2022</a:t>
+              <a:t>2/1/2022</a:t>
             </a:fld>
             <a:endParaRPr lang="en-US"/>
           </a:p>
@@ -2078,7 +2081,7 @@
           <a:p>
             <a:fld id="{0E65B97E-EF25-4B1E-AB49-40CD405F8F1B}" type="datetimeFigureOut">
               <a:rPr lang="en-US" smtClean="0"/>
-              <a:t>1/31/2022</a:t>
+              <a:t>2/1/2022</a:t>
             </a:fld>
             <a:endParaRPr lang="en-US"/>
           </a:p>
@@ -2389,7 +2392,7 @@
           <a:p>
             <a:fld id="{0E65B97E-EF25-4B1E-AB49-40CD405F8F1B}" type="datetimeFigureOut">
               <a:rPr lang="en-US" smtClean="0"/>
-              <a:t>1/31/2022</a:t>
+              <a:t>2/1/2022</a:t>
             </a:fld>
             <a:endParaRPr lang="en-US"/>
           </a:p>
@@ -2677,7 +2680,7 @@
           <a:p>
             <a:fld id="{0E65B97E-EF25-4B1E-AB49-40CD405F8F1B}" type="datetimeFigureOut">
               <a:rPr lang="en-US" smtClean="0"/>
-              <a:t>1/31/2022</a:t>
+              <a:t>2/1/2022</a:t>
             </a:fld>
             <a:endParaRPr lang="en-US"/>
           </a:p>
@@ -2918,7 +2921,7 @@
           <a:p>
             <a:fld id="{0E65B97E-EF25-4B1E-AB49-40CD405F8F1B}" type="datetimeFigureOut">
               <a:rPr lang="en-US" smtClean="0"/>
-              <a:t>1/31/2022</a:t>
+              <a:t>2/1/2022</a:t>
             </a:fld>
             <a:endParaRPr lang="en-US"/>
           </a:p>
@@ -3494,6 +3497,296 @@
 </p:sld>
 </file>
 
+<file path=ppt/slides/slide11.xml><?xml version="1.0" encoding="utf-8"?>
+<p:sld xmlns:a="http://schemas.openxmlformats.org/drawingml/2006/main" xmlns:r="http://schemas.openxmlformats.org/officeDocument/2006/relationships" xmlns:p="http://schemas.openxmlformats.org/presentationml/2006/main">
+  <p:cSld>
+    <p:spTree>
+      <p:nvGrpSpPr>
+        <p:cNvPr id="1" name=""/>
+        <p:cNvGrpSpPr/>
+        <p:nvPr/>
+      </p:nvGrpSpPr>
+      <p:grpSpPr>
+        <a:xfrm>
+          <a:off x="0" y="0"/>
+          <a:ext cx="0" cy="0"/>
+          <a:chOff x="0" y="0"/>
+          <a:chExt cx="0" cy="0"/>
+        </a:xfrm>
+      </p:grpSpPr>
+      <p:sp>
+        <p:nvSpPr>
+          <p:cNvPr id="2" name="Title 1">
+            <a:extLst>
+              <a:ext uri="{FF2B5EF4-FFF2-40B4-BE49-F238E27FC236}">
+                <a16:creationId xmlns:a16="http://schemas.microsoft.com/office/drawing/2014/main" id="{BBB5D03B-4BCD-45CF-B8C9-1E5A53CA0EFB}"/>
+              </a:ext>
+            </a:extLst>
+          </p:cNvPr>
+          <p:cNvSpPr>
+            <a:spLocks noGrp="1"/>
+          </p:cNvSpPr>
+          <p:nvPr>
+            <p:ph type="title"/>
+          </p:nvPr>
+        </p:nvSpPr>
+        <p:spPr/>
+        <p:txBody>
+          <a:bodyPr/>
+          <a:lstStyle/>
+          <a:p>
+            <a:r>
+              <a:rPr lang="en-US" dirty="0"/>
+              <a:t>Group notes - Caden</a:t>
+            </a:r>
+          </a:p>
+        </p:txBody>
+      </p:sp>
+      <p:sp>
+        <p:nvSpPr>
+          <p:cNvPr id="3" name="Content Placeholder 2">
+            <a:extLst>
+              <a:ext uri="{FF2B5EF4-FFF2-40B4-BE49-F238E27FC236}">
+                <a16:creationId xmlns:a16="http://schemas.microsoft.com/office/drawing/2014/main" id="{97ABAFEA-D97E-4AF6-849D-04076872B48F}"/>
+              </a:ext>
+            </a:extLst>
+          </p:cNvPr>
+          <p:cNvSpPr>
+            <a:spLocks noGrp="1"/>
+          </p:cNvSpPr>
+          <p:nvPr>
+            <p:ph idx="1"/>
+          </p:nvPr>
+        </p:nvSpPr>
+        <p:spPr/>
+        <p:txBody>
+          <a:bodyPr/>
+          <a:lstStyle/>
+          <a:p>
+            <a:r>
+              <a:rPr lang="en-US" dirty="0"/>
+              <a:t>Some people don’t want to work – don’t want to work 40 hours – Haven’t had it hard – Lazy</a:t>
+            </a:r>
+          </a:p>
+          <a:p>
+            <a:r>
+              <a:rPr lang="en-US" dirty="0"/>
+              <a:t>People should be able to find a job and get working – jobs are flexible – Employers are looking for workers – need work (Those who are saying they can’t find work aren’t willing to do the hard work first)</a:t>
+            </a:r>
+          </a:p>
+          <a:p>
+            <a:r>
+              <a:rPr lang="en-US" dirty="0"/>
+              <a:t>“Life sucks”</a:t>
+            </a:r>
+          </a:p>
+          <a:p>
+            <a:endParaRPr lang="en-US" dirty="0"/>
+          </a:p>
+          <a:p>
+            <a:endParaRPr lang="en-US" dirty="0"/>
+          </a:p>
+        </p:txBody>
+      </p:sp>
+    </p:spTree>
+    <p:extLst>
+      <p:ext uri="{BB962C8B-B14F-4D97-AF65-F5344CB8AC3E}">
+        <p14:creationId xmlns:p14="http://schemas.microsoft.com/office/powerpoint/2010/main" val="2170797109"/>
+      </p:ext>
+    </p:extLst>
+  </p:cSld>
+  <p:clrMapOvr>
+    <a:masterClrMapping/>
+  </p:clrMapOvr>
+</p:sld>
+</file>
+
+<file path=ppt/slides/slide12.xml><?xml version="1.0" encoding="utf-8"?>
+<p:sld xmlns:a="http://schemas.openxmlformats.org/drawingml/2006/main" xmlns:r="http://schemas.openxmlformats.org/officeDocument/2006/relationships" xmlns:p="http://schemas.openxmlformats.org/presentationml/2006/main">
+  <p:cSld>
+    <p:spTree>
+      <p:nvGrpSpPr>
+        <p:cNvPr id="1" name=""/>
+        <p:cNvGrpSpPr/>
+        <p:nvPr/>
+      </p:nvGrpSpPr>
+      <p:grpSpPr>
+        <a:xfrm>
+          <a:off x="0" y="0"/>
+          <a:ext cx="0" cy="0"/>
+          <a:chOff x="0" y="0"/>
+          <a:chExt cx="0" cy="0"/>
+        </a:xfrm>
+      </p:grpSpPr>
+      <p:sp>
+        <p:nvSpPr>
+          <p:cNvPr id="2" name="Title 1">
+            <a:extLst>
+              <a:ext uri="{FF2B5EF4-FFF2-40B4-BE49-F238E27FC236}">
+                <a16:creationId xmlns:a16="http://schemas.microsoft.com/office/drawing/2014/main" id="{E4B7D746-79A3-4755-94AB-068174521E40}"/>
+              </a:ext>
+            </a:extLst>
+          </p:cNvPr>
+          <p:cNvSpPr>
+            <a:spLocks noGrp="1"/>
+          </p:cNvSpPr>
+          <p:nvPr>
+            <p:ph type="title"/>
+          </p:nvPr>
+        </p:nvSpPr>
+        <p:spPr/>
+        <p:txBody>
+          <a:bodyPr/>
+          <a:lstStyle/>
+          <a:p>
+            <a:r>
+              <a:rPr lang="en-US" dirty="0"/>
+              <a:t>Olivia </a:t>
+            </a:r>
+          </a:p>
+        </p:txBody>
+      </p:sp>
+      <p:sp>
+        <p:nvSpPr>
+          <p:cNvPr id="3" name="Content Placeholder 2">
+            <a:extLst>
+              <a:ext uri="{FF2B5EF4-FFF2-40B4-BE49-F238E27FC236}">
+                <a16:creationId xmlns:a16="http://schemas.microsoft.com/office/drawing/2014/main" id="{52E0ACFC-F08F-4D9E-8439-40FFA3110FE0}"/>
+              </a:ext>
+            </a:extLst>
+          </p:cNvPr>
+          <p:cNvSpPr>
+            <a:spLocks noGrp="1"/>
+          </p:cNvSpPr>
+          <p:nvPr>
+            <p:ph idx="1"/>
+          </p:nvPr>
+        </p:nvSpPr>
+        <p:spPr/>
+        <p:txBody>
+          <a:bodyPr/>
+          <a:lstStyle/>
+          <a:p>
+            <a:r>
+              <a:rPr lang="en-US" dirty="0" err="1"/>
+              <a:t>Behaviour</a:t>
+            </a:r>
+            <a:r>
+              <a:rPr lang="en-US" dirty="0"/>
+              <a:t> disorder</a:t>
+            </a:r>
+          </a:p>
+          <a:p>
+            <a:r>
+              <a:rPr lang="en-US" dirty="0"/>
+              <a:t>Great introduction – Love the explanation on the disorder – Explains the signs of the disorders – Pictures are good – Girls are less likely to come forward with their disorder because of the stigma around the gender – “inattentive” Could have multiple disorders – “comorbidities” – Important to see signs early to help them with issues” – Personal story about struggling (Strong) – What I need to research page – “my kids fine” story of parents refusing to treat their kid – Good research and primary sources – “What we can do” Help the kids and give equal chances for success. </a:t>
+            </a:r>
+          </a:p>
+        </p:txBody>
+      </p:sp>
+    </p:spTree>
+    <p:extLst>
+      <p:ext uri="{BB962C8B-B14F-4D97-AF65-F5344CB8AC3E}">
+        <p14:creationId xmlns:p14="http://schemas.microsoft.com/office/powerpoint/2010/main" val="1604822420"/>
+      </p:ext>
+    </p:extLst>
+  </p:cSld>
+  <p:clrMapOvr>
+    <a:masterClrMapping/>
+  </p:clrMapOvr>
+</p:sld>
+</file>
+
+<file path=ppt/slides/slide13.xml><?xml version="1.0" encoding="utf-8"?>
+<p:sld xmlns:a="http://schemas.openxmlformats.org/drawingml/2006/main" xmlns:r="http://schemas.openxmlformats.org/officeDocument/2006/relationships" xmlns:p="http://schemas.openxmlformats.org/presentationml/2006/main">
+  <p:cSld>
+    <p:spTree>
+      <p:nvGrpSpPr>
+        <p:cNvPr id="1" name=""/>
+        <p:cNvGrpSpPr/>
+        <p:nvPr/>
+      </p:nvGrpSpPr>
+      <p:grpSpPr>
+        <a:xfrm>
+          <a:off x="0" y="0"/>
+          <a:ext cx="0" cy="0"/>
+          <a:chOff x="0" y="0"/>
+          <a:chExt cx="0" cy="0"/>
+        </a:xfrm>
+      </p:grpSpPr>
+      <p:sp>
+        <p:nvSpPr>
+          <p:cNvPr id="2" name="Title 1">
+            <a:extLst>
+              <a:ext uri="{FF2B5EF4-FFF2-40B4-BE49-F238E27FC236}">
+                <a16:creationId xmlns:a16="http://schemas.microsoft.com/office/drawing/2014/main" id="{D8761496-18EA-4BD6-BE68-A11E6678F94F}"/>
+              </a:ext>
+            </a:extLst>
+          </p:cNvPr>
+          <p:cNvSpPr>
+            <a:spLocks noGrp="1"/>
+          </p:cNvSpPr>
+          <p:nvPr>
+            <p:ph type="title"/>
+          </p:nvPr>
+        </p:nvSpPr>
+        <p:spPr/>
+        <p:txBody>
+          <a:bodyPr/>
+          <a:lstStyle/>
+          <a:p>
+            <a:r>
+              <a:rPr lang="en-US" dirty="0"/>
+              <a:t>Caden Presentation</a:t>
+            </a:r>
+          </a:p>
+        </p:txBody>
+      </p:sp>
+      <p:sp>
+        <p:nvSpPr>
+          <p:cNvPr id="3" name="Content Placeholder 2">
+            <a:extLst>
+              <a:ext uri="{FF2B5EF4-FFF2-40B4-BE49-F238E27FC236}">
+                <a16:creationId xmlns:a16="http://schemas.microsoft.com/office/drawing/2014/main" id="{58E56CA5-C50C-4A1D-A535-CF8A98902452}"/>
+              </a:ext>
+            </a:extLst>
+          </p:cNvPr>
+          <p:cNvSpPr>
+            <a:spLocks noGrp="1"/>
+          </p:cNvSpPr>
+          <p:nvPr>
+            <p:ph idx="1"/>
+          </p:nvPr>
+        </p:nvSpPr>
+        <p:spPr/>
+        <p:txBody>
+          <a:bodyPr/>
+          <a:lstStyle/>
+          <a:p>
+            <a:r>
+              <a:rPr lang="en-US" dirty="0"/>
+              <a:t>People should be able to choose to drink and do drugs – People have skewed the perception of drugs – Money benefits on certain drugs – Legalizing drugs can allow people to buy the product legally and the money goes to the government – “Why are some drugs illegal but others aren’t. Legal drugs are more dangerous than some of the illegal ones. </a:t>
+            </a:r>
+            <a:r>
+              <a:rPr lang="en-US"/>
+              <a:t>“Get deals with the cartel” </a:t>
+            </a:r>
+          </a:p>
+        </p:txBody>
+      </p:sp>
+    </p:spTree>
+    <p:extLst>
+      <p:ext uri="{BB962C8B-B14F-4D97-AF65-F5344CB8AC3E}">
+        <p14:creationId xmlns:p14="http://schemas.microsoft.com/office/powerpoint/2010/main" val="3602698587"/>
+      </p:ext>
+    </p:extLst>
+  </p:cSld>
+  <p:clrMapOvr>
+    <a:masterClrMapping/>
+  </p:clrMapOvr>
+</p:sld>
+</file>
+
 <file path=ppt/slides/slide2.xml><?xml version="1.0" encoding="utf-8"?>
 <p:sld xmlns:a="http://schemas.openxmlformats.org/drawingml/2006/main" xmlns:r="http://schemas.openxmlformats.org/officeDocument/2006/relationships" xmlns:p="http://schemas.openxmlformats.org/presentationml/2006/main">
   <p:cSld>

--- a/costs of living A1 with slides.pptx
+++ b/costs of living A1 with slides.pptx
@@ -18,6 +18,7 @@
     <p:sldId id="266" r:id="rId12"/>
     <p:sldId id="267" r:id="rId13"/>
     <p:sldId id="268" r:id="rId14"/>
+    <p:sldId id="269" r:id="rId15"/>
   </p:sldIdLst>
   <p:sldSz cx="12192000" cy="6858000"/>
   <p:notesSz cx="6858000" cy="9144000"/>
@@ -271,7 +272,7 @@
           <a:p>
             <a:fld id="{0E65B97E-EF25-4B1E-AB49-40CD405F8F1B}" type="datetimeFigureOut">
               <a:rPr lang="en-US" smtClean="0"/>
-              <a:t>2/1/2022</a:t>
+              <a:t>2/6/2022</a:t>
             </a:fld>
             <a:endParaRPr lang="en-US"/>
           </a:p>
@@ -469,7 +470,7 @@
           <a:p>
             <a:fld id="{0E65B97E-EF25-4B1E-AB49-40CD405F8F1B}" type="datetimeFigureOut">
               <a:rPr lang="en-US" smtClean="0"/>
-              <a:t>2/1/2022</a:t>
+              <a:t>2/6/2022</a:t>
             </a:fld>
             <a:endParaRPr lang="en-US"/>
           </a:p>
@@ -677,7 +678,7 @@
           <a:p>
             <a:fld id="{0E65B97E-EF25-4B1E-AB49-40CD405F8F1B}" type="datetimeFigureOut">
               <a:rPr lang="en-US" smtClean="0"/>
-              <a:t>2/1/2022</a:t>
+              <a:t>2/6/2022</a:t>
             </a:fld>
             <a:endParaRPr lang="en-US"/>
           </a:p>
@@ -875,7 +876,7 @@
           <a:p>
             <a:fld id="{0E65B97E-EF25-4B1E-AB49-40CD405F8F1B}" type="datetimeFigureOut">
               <a:rPr lang="en-US" smtClean="0"/>
-              <a:t>2/1/2022</a:t>
+              <a:t>2/6/2022</a:t>
             </a:fld>
             <a:endParaRPr lang="en-US"/>
           </a:p>
@@ -1150,7 +1151,7 @@
           <a:p>
             <a:fld id="{0E65B97E-EF25-4B1E-AB49-40CD405F8F1B}" type="datetimeFigureOut">
               <a:rPr lang="en-US" smtClean="0"/>
-              <a:t>2/1/2022</a:t>
+              <a:t>2/6/2022</a:t>
             </a:fld>
             <a:endParaRPr lang="en-US"/>
           </a:p>
@@ -1415,7 +1416,7 @@
           <a:p>
             <a:fld id="{0E65B97E-EF25-4B1E-AB49-40CD405F8F1B}" type="datetimeFigureOut">
               <a:rPr lang="en-US" smtClean="0"/>
-              <a:t>2/1/2022</a:t>
+              <a:t>2/6/2022</a:t>
             </a:fld>
             <a:endParaRPr lang="en-US"/>
           </a:p>
@@ -1827,7 +1828,7 @@
           <a:p>
             <a:fld id="{0E65B97E-EF25-4B1E-AB49-40CD405F8F1B}" type="datetimeFigureOut">
               <a:rPr lang="en-US" smtClean="0"/>
-              <a:t>2/1/2022</a:t>
+              <a:t>2/6/2022</a:t>
             </a:fld>
             <a:endParaRPr lang="en-US"/>
           </a:p>
@@ -1968,7 +1969,7 @@
           <a:p>
             <a:fld id="{0E65B97E-EF25-4B1E-AB49-40CD405F8F1B}" type="datetimeFigureOut">
               <a:rPr lang="en-US" smtClean="0"/>
-              <a:t>2/1/2022</a:t>
+              <a:t>2/6/2022</a:t>
             </a:fld>
             <a:endParaRPr lang="en-US"/>
           </a:p>
@@ -2081,7 +2082,7 @@
           <a:p>
             <a:fld id="{0E65B97E-EF25-4B1E-AB49-40CD405F8F1B}" type="datetimeFigureOut">
               <a:rPr lang="en-US" smtClean="0"/>
-              <a:t>2/1/2022</a:t>
+              <a:t>2/6/2022</a:t>
             </a:fld>
             <a:endParaRPr lang="en-US"/>
           </a:p>
@@ -2392,7 +2393,7 @@
           <a:p>
             <a:fld id="{0E65B97E-EF25-4B1E-AB49-40CD405F8F1B}" type="datetimeFigureOut">
               <a:rPr lang="en-US" smtClean="0"/>
-              <a:t>2/1/2022</a:t>
+              <a:t>2/6/2022</a:t>
             </a:fld>
             <a:endParaRPr lang="en-US"/>
           </a:p>
@@ -2680,7 +2681,7 @@
           <a:p>
             <a:fld id="{0E65B97E-EF25-4B1E-AB49-40CD405F8F1B}" type="datetimeFigureOut">
               <a:rPr lang="en-US" smtClean="0"/>
-              <a:t>2/1/2022</a:t>
+              <a:t>2/6/2022</a:t>
             </a:fld>
             <a:endParaRPr lang="en-US"/>
           </a:p>
@@ -2921,7 +2922,7 @@
           <a:p>
             <a:fld id="{0E65B97E-EF25-4B1E-AB49-40CD405F8F1B}" type="datetimeFigureOut">
               <a:rPr lang="en-US" smtClean="0"/>
-              <a:t>2/1/2022</a:t>
+              <a:t>2/6/2022</a:t>
             </a:fld>
             <a:endParaRPr lang="en-US"/>
           </a:p>
@@ -3787,6 +3788,209 @@
 </p:sld>
 </file>
 
+<file path=ppt/slides/slide14.xml><?xml version="1.0" encoding="utf-8"?>
+<p:sld xmlns:a="http://schemas.openxmlformats.org/drawingml/2006/main" xmlns:r="http://schemas.openxmlformats.org/officeDocument/2006/relationships" xmlns:p="http://schemas.openxmlformats.org/presentationml/2006/main">
+  <p:cSld>
+    <p:spTree>
+      <p:nvGrpSpPr>
+        <p:cNvPr id="1" name=""/>
+        <p:cNvGrpSpPr/>
+        <p:nvPr/>
+      </p:nvGrpSpPr>
+      <p:grpSpPr>
+        <a:xfrm>
+          <a:off x="0" y="0"/>
+          <a:ext cx="0" cy="0"/>
+          <a:chOff x="0" y="0"/>
+          <a:chExt cx="0" cy="0"/>
+        </a:xfrm>
+      </p:grpSpPr>
+      <p:sp>
+        <p:nvSpPr>
+          <p:cNvPr id="2" name="Title 1">
+            <a:extLst>
+              <a:ext uri="{FF2B5EF4-FFF2-40B4-BE49-F238E27FC236}">
+                <a16:creationId xmlns:a16="http://schemas.microsoft.com/office/drawing/2014/main" id="{2D4AE7BB-BF61-4154-BEFD-D0505845A397}"/>
+              </a:ext>
+            </a:extLst>
+          </p:cNvPr>
+          <p:cNvSpPr>
+            <a:spLocks noGrp="1"/>
+          </p:cNvSpPr>
+          <p:nvPr>
+            <p:ph type="title"/>
+          </p:nvPr>
+        </p:nvSpPr>
+        <p:spPr/>
+        <p:txBody>
+          <a:bodyPr/>
+          <a:lstStyle/>
+          <a:p>
+            <a:r>
+              <a:rPr lang="en-US" dirty="0"/>
+              <a:t>Sources</a:t>
+            </a:r>
+          </a:p>
+        </p:txBody>
+      </p:sp>
+      <p:sp>
+        <p:nvSpPr>
+          <p:cNvPr id="3" name="Content Placeholder 2">
+            <a:extLst>
+              <a:ext uri="{FF2B5EF4-FFF2-40B4-BE49-F238E27FC236}">
+                <a16:creationId xmlns:a16="http://schemas.microsoft.com/office/drawing/2014/main" id="{F62F1C37-7DCD-4C36-8936-6B2FE74BED97}"/>
+              </a:ext>
+            </a:extLst>
+          </p:cNvPr>
+          <p:cNvSpPr>
+            <a:spLocks noGrp="1"/>
+          </p:cNvSpPr>
+          <p:nvPr>
+            <p:ph idx="1"/>
+          </p:nvPr>
+        </p:nvSpPr>
+        <p:spPr/>
+        <p:txBody>
+          <a:bodyPr/>
+          <a:lstStyle/>
+          <a:p>
+            <a:r>
+              <a:rPr lang="en-US" b="0" i="0" dirty="0">
+                <a:solidFill>
+                  <a:srgbClr val="333333"/>
+                </a:solidFill>
+                <a:effectLst/>
+                <a:latin typeface="Open Sans" panose="020B0606030504020204" pitchFamily="34" charset="0"/>
+              </a:rPr>
+              <a:t>"United States : Warren Calls Out Private Equity-Backed Firms for Increasing Rents, Driving Up Housing Costs, and Raking in Profits Amid Housing Shortage." </a:t>
+            </a:r>
+            <a:r>
+              <a:rPr lang="en-US" b="0" i="1" dirty="0">
+                <a:solidFill>
+                  <a:srgbClr val="333333"/>
+                </a:solidFill>
+                <a:effectLst/>
+                <a:latin typeface="Open Sans" panose="020B0606030504020204" pitchFamily="34" charset="0"/>
+              </a:rPr>
+              <a:t>Mena Report</a:t>
+            </a:r>
+            <a:r>
+              <a:rPr lang="en-US" b="0" i="0" dirty="0">
+                <a:solidFill>
+                  <a:srgbClr val="333333"/>
+                </a:solidFill>
+                <a:effectLst/>
+                <a:latin typeface="Open Sans" panose="020B0606030504020204" pitchFamily="34" charset="0"/>
+              </a:rPr>
+              <a:t>, 17 Jan. 2022, p. NA. </a:t>
+            </a:r>
+            <a:r>
+              <a:rPr lang="en-US" b="0" i="1" dirty="0">
+                <a:solidFill>
+                  <a:srgbClr val="333333"/>
+                </a:solidFill>
+                <a:effectLst/>
+                <a:latin typeface="Open Sans" panose="020B0606030504020204" pitchFamily="34" charset="0"/>
+              </a:rPr>
+              <a:t>Gale In Context: Global Issues</a:t>
+            </a:r>
+            <a:r>
+              <a:rPr lang="en-US" b="0" i="0" dirty="0">
+                <a:solidFill>
+                  <a:srgbClr val="333333"/>
+                </a:solidFill>
+                <a:effectLst/>
+                <a:latin typeface="Open Sans" panose="020B0606030504020204" pitchFamily="34" charset="0"/>
+              </a:rPr>
+              <a:t>, link.gale.com/apps/doc/A691612593/</a:t>
+            </a:r>
+            <a:r>
+              <a:rPr lang="en-US" b="0" i="0" dirty="0" err="1">
+                <a:solidFill>
+                  <a:srgbClr val="333333"/>
+                </a:solidFill>
+                <a:effectLst/>
+                <a:latin typeface="Open Sans" panose="020B0606030504020204" pitchFamily="34" charset="0"/>
+              </a:rPr>
+              <a:t>GIC?u</a:t>
+            </a:r>
+            <a:r>
+              <a:rPr lang="en-US" b="0" i="0" dirty="0">
+                <a:solidFill>
+                  <a:srgbClr val="333333"/>
+                </a:solidFill>
+                <a:effectLst/>
+                <a:latin typeface="Open Sans" panose="020B0606030504020204" pitchFamily="34" charset="0"/>
+              </a:rPr>
+              <a:t>=</a:t>
+            </a:r>
+            <a:r>
+              <a:rPr lang="en-US" b="0" i="0" dirty="0" err="1">
+                <a:solidFill>
+                  <a:srgbClr val="333333"/>
+                </a:solidFill>
+                <a:effectLst/>
+                <a:latin typeface="Open Sans" panose="020B0606030504020204" pitchFamily="34" charset="0"/>
+              </a:rPr>
+              <a:t>utahvalley&amp;sid</a:t>
+            </a:r>
+            <a:r>
+              <a:rPr lang="en-US" b="0" i="0" dirty="0">
+                <a:solidFill>
+                  <a:srgbClr val="333333"/>
+                </a:solidFill>
+                <a:effectLst/>
+                <a:latin typeface="Open Sans" panose="020B0606030504020204" pitchFamily="34" charset="0"/>
+              </a:rPr>
+              <a:t>=</a:t>
+            </a:r>
+            <a:r>
+              <a:rPr lang="en-US" b="0" i="0" dirty="0" err="1">
+                <a:solidFill>
+                  <a:srgbClr val="333333"/>
+                </a:solidFill>
+                <a:effectLst/>
+                <a:latin typeface="Open Sans" panose="020B0606030504020204" pitchFamily="34" charset="0"/>
+              </a:rPr>
+              <a:t>ebsco&amp;xid</a:t>
+            </a:r>
+            <a:r>
+              <a:rPr lang="en-US" b="0" i="0" dirty="0">
+                <a:solidFill>
+                  <a:srgbClr val="333333"/>
+                </a:solidFill>
+                <a:effectLst/>
+                <a:latin typeface="Open Sans" panose="020B0606030504020204" pitchFamily="34" charset="0"/>
+              </a:rPr>
+              <a:t>=0eb14901. Accessed 6 Feb. </a:t>
+            </a:r>
+            <a:r>
+              <a:rPr lang="en-US" b="0" i="0">
+                <a:solidFill>
+                  <a:srgbClr val="333333"/>
+                </a:solidFill>
+                <a:effectLst/>
+                <a:latin typeface="Open Sans" panose="020B0606030504020204" pitchFamily="34" charset="0"/>
+              </a:rPr>
+              <a:t>2022.</a:t>
+            </a:r>
+            <a:endParaRPr lang="en-US"/>
+          </a:p>
+        </p:txBody>
+      </p:sp>
+    </p:spTree>
+    <p:extLst>
+      <p:ext uri="{BB962C8B-B14F-4D97-AF65-F5344CB8AC3E}">
+        <p14:creationId xmlns:p14="http://schemas.microsoft.com/office/powerpoint/2010/main" val="3319447578"/>
+      </p:ext>
+    </p:extLst>
+  </p:cSld>
+  <p:clrMapOvr>
+    <a:masterClrMapping/>
+  </p:clrMapOvr>
+</p:sld>
+</file>
+
 <file path=ppt/slides/slide2.xml><?xml version="1.0" encoding="utf-8"?>
 <p:sld xmlns:a="http://schemas.openxmlformats.org/drawingml/2006/main" xmlns:r="http://schemas.openxmlformats.org/officeDocument/2006/relationships" xmlns:p="http://schemas.openxmlformats.org/presentationml/2006/main">
   <p:cSld>
